--- a/Gesture Unit Segmentation.pptx
+++ b/Gesture Unit Segmentation.pptx
@@ -246,7 +246,7 @@
           <a:p>
             <a:fld id="{DE40AC19-8F33-1848-8B40-686D5604B98E}" type="datetimeFigureOut">
               <a:rPr kumimoji="1" lang="zh-CN" altLang="en-US" smtClean="0"/>
-              <a:t>2017/7/17</a:t>
+              <a:t>2017/7/24</a:t>
             </a:fld>
             <a:endParaRPr kumimoji="1" lang="zh-CN" altLang="en-US"/>
           </a:p>
@@ -416,7 +416,7 @@
           <a:p>
             <a:fld id="{DE40AC19-8F33-1848-8B40-686D5604B98E}" type="datetimeFigureOut">
               <a:rPr kumimoji="1" lang="zh-CN" altLang="en-US" smtClean="0"/>
-              <a:t>2017/7/17</a:t>
+              <a:t>2017/7/24</a:t>
             </a:fld>
             <a:endParaRPr kumimoji="1" lang="zh-CN" altLang="en-US"/>
           </a:p>
@@ -596,7 +596,7 @@
           <a:p>
             <a:fld id="{DE40AC19-8F33-1848-8B40-686D5604B98E}" type="datetimeFigureOut">
               <a:rPr kumimoji="1" lang="zh-CN" altLang="en-US" smtClean="0"/>
-              <a:t>2017/7/17</a:t>
+              <a:t>2017/7/24</a:t>
             </a:fld>
             <a:endParaRPr kumimoji="1" lang="zh-CN" altLang="en-US"/>
           </a:p>
@@ -766,7 +766,7 @@
           <a:p>
             <a:fld id="{DE40AC19-8F33-1848-8B40-686D5604B98E}" type="datetimeFigureOut">
               <a:rPr kumimoji="1" lang="zh-CN" altLang="en-US" smtClean="0"/>
-              <a:t>2017/7/17</a:t>
+              <a:t>2017/7/24</a:t>
             </a:fld>
             <a:endParaRPr kumimoji="1" lang="zh-CN" altLang="en-US"/>
           </a:p>
@@ -1012,7 +1012,7 @@
           <a:p>
             <a:fld id="{DE40AC19-8F33-1848-8B40-686D5604B98E}" type="datetimeFigureOut">
               <a:rPr kumimoji="1" lang="zh-CN" altLang="en-US" smtClean="0"/>
-              <a:t>2017/7/17</a:t>
+              <a:t>2017/7/24</a:t>
             </a:fld>
             <a:endParaRPr kumimoji="1" lang="zh-CN" altLang="en-US"/>
           </a:p>
@@ -1244,7 +1244,7 @@
           <a:p>
             <a:fld id="{DE40AC19-8F33-1848-8B40-686D5604B98E}" type="datetimeFigureOut">
               <a:rPr kumimoji="1" lang="zh-CN" altLang="en-US" smtClean="0"/>
-              <a:t>2017/7/17</a:t>
+              <a:t>2017/7/24</a:t>
             </a:fld>
             <a:endParaRPr kumimoji="1" lang="zh-CN" altLang="en-US"/>
           </a:p>
@@ -1611,7 +1611,7 @@
           <a:p>
             <a:fld id="{DE40AC19-8F33-1848-8B40-686D5604B98E}" type="datetimeFigureOut">
               <a:rPr kumimoji="1" lang="zh-CN" altLang="en-US" smtClean="0"/>
-              <a:t>2017/7/17</a:t>
+              <a:t>2017/7/24</a:t>
             </a:fld>
             <a:endParaRPr kumimoji="1" lang="zh-CN" altLang="en-US"/>
           </a:p>
@@ -1729,7 +1729,7 @@
           <a:p>
             <a:fld id="{DE40AC19-8F33-1848-8B40-686D5604B98E}" type="datetimeFigureOut">
               <a:rPr kumimoji="1" lang="zh-CN" altLang="en-US" smtClean="0"/>
-              <a:t>2017/7/17</a:t>
+              <a:t>2017/7/24</a:t>
             </a:fld>
             <a:endParaRPr kumimoji="1" lang="zh-CN" altLang="en-US"/>
           </a:p>
@@ -1824,7 +1824,7 @@
           <a:p>
             <a:fld id="{DE40AC19-8F33-1848-8B40-686D5604B98E}" type="datetimeFigureOut">
               <a:rPr kumimoji="1" lang="zh-CN" altLang="en-US" smtClean="0"/>
-              <a:t>2017/7/17</a:t>
+              <a:t>2017/7/24</a:t>
             </a:fld>
             <a:endParaRPr kumimoji="1" lang="zh-CN" altLang="en-US"/>
           </a:p>
@@ -2101,7 +2101,7 @@
           <a:p>
             <a:fld id="{DE40AC19-8F33-1848-8B40-686D5604B98E}" type="datetimeFigureOut">
               <a:rPr kumimoji="1" lang="zh-CN" altLang="en-US" smtClean="0"/>
-              <a:t>2017/7/17</a:t>
+              <a:t>2017/7/24</a:t>
             </a:fld>
             <a:endParaRPr kumimoji="1" lang="zh-CN" altLang="en-US"/>
           </a:p>
@@ -2354,7 +2354,7 @@
           <a:p>
             <a:fld id="{DE40AC19-8F33-1848-8B40-686D5604B98E}" type="datetimeFigureOut">
               <a:rPr kumimoji="1" lang="zh-CN" altLang="en-US" smtClean="0"/>
-              <a:t>2017/7/17</a:t>
+              <a:t>2017/7/24</a:t>
             </a:fld>
             <a:endParaRPr kumimoji="1" lang="zh-CN" altLang="en-US"/>
           </a:p>
@@ -2567,7 +2567,7 @@
           <a:p>
             <a:fld id="{DE40AC19-8F33-1848-8B40-686D5604B98E}" type="datetimeFigureOut">
               <a:rPr kumimoji="1" lang="zh-CN" altLang="en-US" smtClean="0"/>
-              <a:t>2017/7/17</a:t>
+              <a:t>2017/7/24</a:t>
             </a:fld>
             <a:endParaRPr kumimoji="1" lang="zh-CN" altLang="en-US"/>
           </a:p>
@@ -3175,31 +3175,15 @@
             </a:r>
             <a:r>
               <a:rPr kumimoji="1" lang="en-US" altLang="zh-CN" sz="1800" b="1" dirty="0"/>
-              <a:t>positions (coordinates x, y</a:t>
+              <a:t>positions (coordinates x, y, z) </a:t>
+            </a:r>
+            <a:r>
+              <a:rPr kumimoji="1" lang="en-US" altLang="zh-CN" sz="1800" dirty="0"/>
+              <a:t>of six articulation points: </a:t>
             </a:r>
             <a:r>
               <a:rPr kumimoji="1" lang="en-US" altLang="zh-CN" sz="1800" b="1" dirty="0"/>
-              <a:t>, z) </a:t>
-            </a:r>
-            <a:r>
-              <a:rPr kumimoji="1" lang="en-US" altLang="zh-CN" sz="1800" dirty="0"/>
-              <a:t>of six </a:t>
-            </a:r>
-            <a:r>
-              <a:rPr kumimoji="1" lang="en-US" altLang="zh-CN" sz="1800" dirty="0"/>
-              <a:t>articulation </a:t>
-            </a:r>
-            <a:r>
-              <a:rPr kumimoji="1" lang="en-US" altLang="zh-CN" sz="1800" dirty="0"/>
-              <a:t>points: </a:t>
-            </a:r>
-            <a:r>
-              <a:rPr kumimoji="1" lang="en-US" altLang="zh-CN" sz="1800" b="1" dirty="0"/>
-              <a:t>left </a:t>
-            </a:r>
-            <a:r>
-              <a:rPr kumimoji="1" lang="en-US" altLang="zh-CN" sz="1800" b="1" dirty="0"/>
-              <a:t>hand</a:t>
+              <a:t>left hand</a:t>
             </a:r>
             <a:r>
               <a:rPr kumimoji="1" lang="en-US" altLang="zh-CN" sz="1800" dirty="0"/>
@@ -3239,11 +3223,7 @@
             </a:r>
             <a:r>
               <a:rPr kumimoji="1" lang="en-US" altLang="zh-CN" sz="1800" b="1" dirty="0"/>
-              <a:t> </a:t>
-            </a:r>
-            <a:r>
-              <a:rPr kumimoji="1" lang="en-US" altLang="zh-CN" sz="1800" b="1" dirty="0"/>
-              <a:t>spine</a:t>
+              <a:t> spine</a:t>
             </a:r>
           </a:p>
           <a:p>
@@ -3457,19 +3437,23 @@
               <a:t> and NN </a:t>
             </a:r>
             <a:r>
-              <a:rPr kumimoji="1" lang="it-IT" altLang="zh-CN" sz="2000" err="1" smtClean="0"/>
+              <a:rPr kumimoji="1" lang="it-IT" altLang="zh-CN" sz="2000" dirty="0" err="1" smtClean="0"/>
               <a:t>performs</a:t>
             </a:r>
             <a:r>
-              <a:rPr kumimoji="1" lang="it-IT" altLang="zh-CN" sz="2000" smtClean="0"/>
-              <a:t> better</a:t>
+              <a:rPr kumimoji="1" lang="it-IT" altLang="zh-CN" sz="2000" dirty="0" smtClean="0"/>
+              <a:t> </a:t>
+            </a:r>
+            <a:r>
+              <a:rPr kumimoji="1" lang="it-IT" altLang="zh-CN" sz="2000" dirty="0" err="1" smtClean="0"/>
+              <a:t>better</a:t>
             </a:r>
             <a:endParaRPr kumimoji="1" lang="it-IT" altLang="zh-CN" sz="2000" dirty="0" smtClean="0"/>
           </a:p>
           <a:p>
             <a:r>
-              <a:rPr kumimoji="1" lang="it-IT" altLang="zh-CN" sz="2400" dirty="0" smtClean="0"/>
-              <a:t>63.3% </a:t>
+              <a:rPr kumimoji="1" lang="it-IT" altLang="zh-CN" sz="2400" smtClean="0"/>
+              <a:t>69.4% </a:t>
             </a:r>
             <a:r>
               <a:rPr kumimoji="1" lang="it-IT" altLang="zh-CN" sz="2400" dirty="0" err="1" smtClean="0"/>

--- a/Gesture Unit Segmentation.pptx
+++ b/Gesture Unit Segmentation.pptx
@@ -3452,8 +3452,8 @@
           </a:p>
           <a:p>
             <a:r>
-              <a:rPr kumimoji="1" lang="it-IT" altLang="zh-CN" sz="2400" smtClean="0"/>
-              <a:t>69.4% </a:t>
+              <a:rPr kumimoji="1" lang="it-IT" altLang="zh-CN" sz="2400" dirty="0" smtClean="0"/>
+              <a:t>63.3% </a:t>
             </a:r>
             <a:r>
               <a:rPr kumimoji="1" lang="it-IT" altLang="zh-CN" sz="2400" dirty="0" err="1" smtClean="0"/>
